--- a/iOS行動程式基礎開發上架20堂課/第10堂課建立以表格為基礎的App/swift-subscript.pptx
+++ b/iOS行動程式基礎開發上架20堂課/第10堂課建立以表格為基礎的App/swift-subscript.pptx
@@ -33071,7 +33071,7 @@
         <p:spPr>
           <a:xfrm>
             <a:off x="576953" y="1101687"/>
-            <a:ext cx="4277319" cy="1539241"/>
+            <a:ext cx="3691381" cy="2020965"/>
           </a:xfrm>
           <a:prstGeom prst="rect">
             <a:avLst/>
@@ -33091,9 +33091,9 @@
           </a:bodyPr>
           <a:lstStyle/>
           <a:p>
-            <a:pPr marL="457200" indent="-317500" defTabSz="457200">
+            <a:pPr marL="527755" indent="-388055" defTabSz="457200">
               <a:lnSpc>
-                <a:spcPts val="2300"/>
+                <a:spcPts val="1700"/>
               </a:lnSpc>
               <a:spcBef>
                 <a:spcPts val="0"/>
@@ -33104,14 +33104,14 @@
               <a:buSzPct val="100000"/>
               <a:buFont typeface="Menlo"/>
               <a:buChar char="•"/>
-              <a:defRPr b="0" sz="900">
-                <a:solidFill>
-                  <a:srgbClr val="AA0D91"/>
-                </a:solidFill>
-                <a:latin typeface="Menlo"/>
-                <a:ea typeface="Menlo"/>
-                <a:cs typeface="Menlo"/>
-                <a:sym typeface="Menlo"/>
+              <a:defRPr b="0" sz="1100">
+                <a:solidFill>
+                  <a:srgbClr val="5C2699"/>
+                </a:solidFill>
+                <a:latin typeface="Arial"/>
+                <a:ea typeface="Arial"/>
+                <a:cs typeface="Arial"/>
+                <a:sym typeface="Arial"/>
               </a:defRPr>
             </a:pPr>
             <a:r>
@@ -33142,11 +33142,6 @@
               <a:t>: </a:t>
             </a:r>
             <a:r>
-              <a:rPr>
-                <a:solidFill>
-                  <a:srgbClr val="5C2699"/>
-                </a:solidFill>
-              </a:rPr>
               <a:t>Int</a:t>
             </a:r>
             <a:r>
@@ -33158,11 +33153,6 @@
               <a:t>) -&gt; </a:t>
             </a:r>
             <a:r>
-              <a:rPr>
-                <a:solidFill>
-                  <a:srgbClr val="5C2699"/>
-                </a:solidFill>
-              </a:rPr>
               <a:t>Int</a:t>
             </a:r>
             <a:r>
@@ -33180,9 +33170,9 @@
             </a:endParaRPr>
           </a:p>
           <a:p>
-            <a:pPr marL="457200" indent="-317500" defTabSz="457200">
+            <a:pPr marL="527755" indent="-388055" defTabSz="457200">
               <a:lnSpc>
-                <a:spcPts val="2300"/>
+                <a:spcPts val="1700"/>
               </a:lnSpc>
               <a:spcBef>
                 <a:spcPts val="0"/>
@@ -33193,14 +33183,14 @@
               <a:buSzPct val="100000"/>
               <a:buFont typeface="Menlo"/>
               <a:buChar char="•"/>
-              <a:defRPr b="0" sz="900">
-                <a:solidFill>
-                  <a:srgbClr val="333333"/>
-                </a:solidFill>
-                <a:latin typeface="Menlo"/>
-                <a:ea typeface="Menlo"/>
-                <a:cs typeface="Menlo"/>
-                <a:sym typeface="Menlo"/>
+              <a:defRPr b="0" sz="1100">
+                <a:solidFill>
+                  <a:srgbClr val="5C2699"/>
+                </a:solidFill>
+                <a:latin typeface="Arial"/>
+                <a:ea typeface="Arial"/>
+                <a:cs typeface="Arial"/>
+                <a:sym typeface="Arial"/>
               </a:defRPr>
             </a:pPr>
             <a:r>
@@ -33219,9 +33209,9 @@
             </a:r>
           </a:p>
           <a:p>
-            <a:pPr marL="457200" indent="-317500" defTabSz="457200">
+            <a:pPr marL="527755" indent="-388055" defTabSz="457200">
               <a:lnSpc>
-                <a:spcPts val="2300"/>
+                <a:spcPts val="1700"/>
               </a:lnSpc>
               <a:spcBef>
                 <a:spcPts val="0"/>
@@ -33232,14 +33222,14 @@
               <a:buSzPct val="100000"/>
               <a:buFont typeface="Menlo"/>
               <a:buChar char="•"/>
-              <a:defRPr b="0" sz="900">
-                <a:solidFill>
-                  <a:srgbClr val="007400"/>
-                </a:solidFill>
-                <a:latin typeface="Menlo"/>
-                <a:ea typeface="Menlo"/>
-                <a:cs typeface="Menlo"/>
-                <a:sym typeface="Menlo"/>
+              <a:defRPr b="0" sz="1100">
+                <a:solidFill>
+                  <a:srgbClr val="5C2699"/>
+                </a:solidFill>
+                <a:latin typeface="Arial"/>
+                <a:ea typeface="Arial"/>
+                <a:cs typeface="Arial"/>
+                <a:sym typeface="Arial"/>
               </a:defRPr>
             </a:pPr>
             <a:r>
@@ -33260,9 +33250,9 @@
             </a:endParaRPr>
           </a:p>
           <a:p>
-            <a:pPr marL="457200" indent="-317500" defTabSz="457200">
+            <a:pPr marL="527755" indent="-388055" defTabSz="457200">
               <a:lnSpc>
-                <a:spcPts val="2300"/>
+                <a:spcPts val="1700"/>
               </a:lnSpc>
               <a:spcBef>
                 <a:spcPts val="0"/>
@@ -33273,14 +33263,14 @@
               <a:buSzPct val="100000"/>
               <a:buFont typeface="Menlo"/>
               <a:buChar char="•"/>
-              <a:defRPr b="0" sz="900">
-                <a:solidFill>
-                  <a:srgbClr val="333333"/>
-                </a:solidFill>
-                <a:latin typeface="Menlo"/>
-                <a:ea typeface="Menlo"/>
-                <a:cs typeface="Menlo"/>
-                <a:sym typeface="Menlo"/>
+              <a:defRPr b="0" sz="1100">
+                <a:solidFill>
+                  <a:srgbClr val="5C2699"/>
+                </a:solidFill>
+                <a:latin typeface="Arial"/>
+                <a:ea typeface="Arial"/>
+                <a:cs typeface="Arial"/>
+                <a:sym typeface="Arial"/>
               </a:defRPr>
             </a:pPr>
             <a:r>
@@ -33288,9 +33278,9 @@
             </a:r>
           </a:p>
           <a:p>
-            <a:pPr marL="457200" indent="-317500" defTabSz="457200">
+            <a:pPr marL="527755" indent="-388055" defTabSz="457200">
               <a:lnSpc>
-                <a:spcPts val="2300"/>
+                <a:spcPts val="1700"/>
               </a:lnSpc>
               <a:spcBef>
                 <a:spcPts val="0"/>
@@ -33301,14 +33291,14 @@
               <a:buSzPct val="100000"/>
               <a:buFont typeface="Menlo"/>
               <a:buChar char="•"/>
-              <a:defRPr b="0" sz="900">
-                <a:solidFill>
-                  <a:srgbClr val="3F6E74"/>
-                </a:solidFill>
-                <a:latin typeface="Menlo"/>
-                <a:ea typeface="Menlo"/>
-                <a:cs typeface="Menlo"/>
-                <a:sym typeface="Menlo"/>
+              <a:defRPr b="0" sz="1100">
+                <a:solidFill>
+                  <a:srgbClr val="5C2699"/>
+                </a:solidFill>
+                <a:latin typeface="Arial"/>
+                <a:ea typeface="Arial"/>
+                <a:cs typeface="Arial"/>
+                <a:sym typeface="Arial"/>
               </a:defRPr>
             </a:pPr>
             <a:r>
@@ -33353,9 +33343,9 @@
             </a:endParaRPr>
           </a:p>
           <a:p>
-            <a:pPr marL="457200" indent="-317500" defTabSz="457200">
+            <a:pPr marL="527755" indent="-388055" defTabSz="457200">
               <a:lnSpc>
-                <a:spcPts val="2300"/>
+                <a:spcPts val="1700"/>
               </a:lnSpc>
               <a:spcBef>
                 <a:spcPts val="0"/>
@@ -33366,14 +33356,14 @@
               <a:buSzPct val="100000"/>
               <a:buFont typeface="Menlo"/>
               <a:buChar char="•"/>
-              <a:defRPr b="0" sz="900">
-                <a:solidFill>
-                  <a:srgbClr val="007400"/>
-                </a:solidFill>
-                <a:latin typeface="Menlo"/>
-                <a:ea typeface="Menlo"/>
-                <a:cs typeface="Menlo"/>
-                <a:sym typeface="Menlo"/>
+              <a:defRPr b="0" sz="1100">
+                <a:solidFill>
+                  <a:srgbClr val="5C2699"/>
+                </a:solidFill>
+                <a:latin typeface="Arial"/>
+                <a:ea typeface="Arial"/>
+                <a:cs typeface="Arial"/>
+                <a:sym typeface="Arial"/>
               </a:defRPr>
             </a:pPr>
             <a:r>
@@ -33394,9 +33384,9 @@
             </a:endParaRPr>
           </a:p>
           <a:p>
-            <a:pPr marL="457200" indent="-317500" defTabSz="457200">
+            <a:pPr marL="527755" indent="-388055" defTabSz="457200">
               <a:lnSpc>
-                <a:spcPts val="2300"/>
+                <a:spcPts val="1700"/>
               </a:lnSpc>
               <a:spcBef>
                 <a:spcPts val="0"/>
@@ -33407,14 +33397,14 @@
               <a:buSzPct val="100000"/>
               <a:buFont typeface="Menlo"/>
               <a:buChar char="•"/>
-              <a:defRPr b="0" sz="900">
-                <a:solidFill>
-                  <a:srgbClr val="333333"/>
-                </a:solidFill>
-                <a:latin typeface="Menlo"/>
-                <a:ea typeface="Menlo"/>
-                <a:cs typeface="Menlo"/>
-                <a:sym typeface="Menlo"/>
+              <a:defRPr b="0" sz="1100">
+                <a:solidFill>
+                  <a:srgbClr val="5C2699"/>
+                </a:solidFill>
+                <a:latin typeface="Arial"/>
+                <a:ea typeface="Arial"/>
+                <a:cs typeface="Arial"/>
+                <a:sym typeface="Arial"/>
               </a:defRPr>
             </a:pPr>
             <a:r>
@@ -33422,9 +33412,9 @@
             </a:r>
           </a:p>
           <a:p>
-            <a:pPr marL="457200" indent="-317500" defTabSz="457200">
+            <a:pPr marL="527755" indent="-388055" defTabSz="457200">
               <a:lnSpc>
-                <a:spcPts val="2300"/>
+                <a:spcPts val="1700"/>
               </a:lnSpc>
               <a:spcBef>
                 <a:spcPts val="0"/>
@@ -33435,14 +33425,14 @@
               <a:buSzPct val="100000"/>
               <a:buFont typeface="Menlo"/>
               <a:buChar char="•"/>
-              <a:defRPr b="0" sz="900">
-                <a:solidFill>
-                  <a:srgbClr val="333333"/>
-                </a:solidFill>
-                <a:latin typeface="Menlo"/>
-                <a:ea typeface="Menlo"/>
-                <a:cs typeface="Menlo"/>
-                <a:sym typeface="Menlo"/>
+              <a:defRPr b="0" sz="1100">
+                <a:solidFill>
+                  <a:srgbClr val="5C2699"/>
+                </a:solidFill>
+                <a:latin typeface="Arial"/>
+                <a:ea typeface="Arial"/>
+                <a:cs typeface="Arial"/>
+                <a:sym typeface="Arial"/>
               </a:defRPr>
             </a:pPr>
             <a:r>
@@ -33460,7 +33450,7 @@
         <p:spPr>
           <a:xfrm>
             <a:off x="4969670" y="1109148"/>
-            <a:ext cx="4002061" cy="1704341"/>
+            <a:ext cx="3557616" cy="2236865"/>
           </a:xfrm>
           <a:prstGeom prst="rect">
             <a:avLst/>
@@ -33480,9 +33470,9 @@
           </a:bodyPr>
           <a:lstStyle/>
           <a:p>
-            <a:pPr marL="457200" indent="-317500" defTabSz="457200">
+            <a:pPr marL="527755" indent="-388055" defTabSz="457200">
               <a:lnSpc>
-                <a:spcPts val="2300"/>
+                <a:spcPts val="1700"/>
               </a:lnSpc>
               <a:spcBef>
                 <a:spcPts val="0"/>
@@ -33493,14 +33483,14 @@
               <a:buSzPct val="100000"/>
               <a:buFont typeface="Menlo"/>
               <a:buChar char="•"/>
-              <a:defRPr b="0" sz="900">
-                <a:solidFill>
-                  <a:srgbClr val="3F6E74"/>
-                </a:solidFill>
-                <a:latin typeface="Menlo"/>
-                <a:ea typeface="Menlo"/>
-                <a:cs typeface="Menlo"/>
-                <a:sym typeface="Menlo"/>
+              <a:defRPr b="0" sz="1100">
+                <a:solidFill>
+                  <a:srgbClr val="5C2699"/>
+                </a:solidFill>
+                <a:latin typeface="Arial"/>
+                <a:ea typeface="Arial"/>
+                <a:cs typeface="Arial"/>
+                <a:sym typeface="Arial"/>
               </a:defRPr>
             </a:pPr>
             <a:r>
@@ -33537,9 +33527,9 @@
             </a:endParaRPr>
           </a:p>
           <a:p>
-            <a:pPr marL="457200" indent="-317500" defTabSz="457200">
+            <a:pPr marL="527755" indent="-388055" defTabSz="457200">
               <a:lnSpc>
-                <a:spcPts val="2300"/>
+                <a:spcPts val="1700"/>
               </a:lnSpc>
               <a:spcBef>
                 <a:spcPts val="0"/>
@@ -33550,14 +33540,14 @@
               <a:buSzPct val="100000"/>
               <a:buFont typeface="Menlo"/>
               <a:buChar char="•"/>
-              <a:defRPr b="0" sz="900">
-                <a:solidFill>
-                  <a:srgbClr val="3F6E74"/>
-                </a:solidFill>
-                <a:latin typeface="Menlo"/>
-                <a:ea typeface="Menlo"/>
-                <a:cs typeface="Menlo"/>
-                <a:sym typeface="Menlo"/>
+              <a:defRPr b="0" sz="1100">
+                <a:solidFill>
+                  <a:srgbClr val="5C2699"/>
+                </a:solidFill>
+                <a:latin typeface="Arial"/>
+                <a:ea typeface="Arial"/>
+                <a:cs typeface="Arial"/>
+                <a:sym typeface="Arial"/>
               </a:defRPr>
             </a:pPr>
             <a:r>
@@ -33596,11 +33586,6 @@
               <a:t>: </a:t>
             </a:r>
             <a:r>
-              <a:rPr>
-                <a:solidFill>
-                  <a:srgbClr val="5C2699"/>
-                </a:solidFill>
-              </a:rPr>
               <a:t>Int</a:t>
             </a:r>
             <a:endParaRPr>
@@ -33610,9 +33595,9 @@
             </a:endParaRPr>
           </a:p>
           <a:p>
-            <a:pPr marL="457200" indent="-317500" defTabSz="457200">
+            <a:pPr marL="527755" indent="-388055" defTabSz="457200">
               <a:lnSpc>
-                <a:spcPts val="2300"/>
+                <a:spcPts val="1700"/>
               </a:lnSpc>
               <a:spcBef>
                 <a:spcPts val="0"/>
@@ -33623,14 +33608,14 @@
               <a:buSzPct val="100000"/>
               <a:buFont typeface="Menlo"/>
               <a:buChar char="•"/>
-              <a:defRPr b="0" sz="900">
-                <a:solidFill>
-                  <a:srgbClr val="AA0D91"/>
-                </a:solidFill>
-                <a:latin typeface="Menlo"/>
-                <a:ea typeface="Menlo"/>
-                <a:cs typeface="Menlo"/>
-                <a:sym typeface="Menlo"/>
+              <a:defRPr b="0" sz="1100">
+                <a:solidFill>
+                  <a:srgbClr val="5C2699"/>
+                </a:solidFill>
+                <a:latin typeface="Arial"/>
+                <a:ea typeface="Arial"/>
+                <a:cs typeface="Arial"/>
+                <a:sym typeface="Arial"/>
               </a:defRPr>
             </a:pPr>
             <a:r>
@@ -33669,11 +33654,6 @@
               <a:t>: </a:t>
             </a:r>
             <a:r>
-              <a:rPr>
-                <a:solidFill>
-                  <a:srgbClr val="5C2699"/>
-                </a:solidFill>
-              </a:rPr>
               <a:t>Int</a:t>
             </a:r>
             <a:r>
@@ -33685,11 +33665,6 @@
               <a:t>) -&gt; </a:t>
             </a:r>
             <a:r>
-              <a:rPr>
-                <a:solidFill>
-                  <a:srgbClr val="5C2699"/>
-                </a:solidFill>
-              </a:rPr>
               <a:t>Int</a:t>
             </a:r>
             <a:r>
@@ -33707,9 +33682,9 @@
             </a:endParaRPr>
           </a:p>
           <a:p>
-            <a:pPr marL="457200" indent="-317500" defTabSz="457200">
+            <a:pPr marL="527755" indent="-388055" defTabSz="457200">
               <a:lnSpc>
-                <a:spcPts val="2300"/>
+                <a:spcPts val="1700"/>
               </a:lnSpc>
               <a:spcBef>
                 <a:spcPts val="0"/>
@@ -33720,14 +33695,14 @@
               <a:buSzPct val="100000"/>
               <a:buFont typeface="Menlo"/>
               <a:buChar char="•"/>
-              <a:defRPr b="0" sz="900">
-                <a:solidFill>
-                  <a:srgbClr val="333333"/>
-                </a:solidFill>
-                <a:latin typeface="Menlo"/>
-                <a:ea typeface="Menlo"/>
-                <a:cs typeface="Menlo"/>
-                <a:sym typeface="Menlo"/>
+              <a:defRPr b="0" sz="1100">
+                <a:solidFill>
+                  <a:srgbClr val="5C2699"/>
+                </a:solidFill>
+                <a:latin typeface="Arial"/>
+                <a:ea typeface="Arial"/>
+                <a:cs typeface="Arial"/>
+                <a:sym typeface="Arial"/>
               </a:defRPr>
             </a:pPr>
             <a:r>
@@ -33765,9 +33740,9 @@
             </a:r>
           </a:p>
           <a:p>
-            <a:pPr marL="457200" indent="-317500" defTabSz="457200">
+            <a:pPr marL="527755" indent="-388055" defTabSz="457200">
               <a:lnSpc>
-                <a:spcPts val="2300"/>
+                <a:spcPts val="1700"/>
               </a:lnSpc>
               <a:spcBef>
                 <a:spcPts val="0"/>
@@ -33778,14 +33753,14 @@
               <a:buSzPct val="100000"/>
               <a:buFont typeface="Menlo"/>
               <a:buChar char="•"/>
-              <a:defRPr b="0" sz="900">
-                <a:solidFill>
-                  <a:srgbClr val="333333"/>
-                </a:solidFill>
-                <a:latin typeface="Menlo"/>
-                <a:ea typeface="Menlo"/>
-                <a:cs typeface="Menlo"/>
-                <a:sym typeface="Menlo"/>
+              <a:defRPr b="0" sz="1100">
+                <a:solidFill>
+                  <a:srgbClr val="5C2699"/>
+                </a:solidFill>
+                <a:latin typeface="Arial"/>
+                <a:ea typeface="Arial"/>
+                <a:cs typeface="Arial"/>
+                <a:sym typeface="Arial"/>
               </a:defRPr>
             </a:pPr>
             <a:r>
@@ -33793,9 +33768,9 @@
             </a:r>
           </a:p>
           <a:p>
-            <a:pPr marL="457200" indent="-317500" defTabSz="457200">
+            <a:pPr marL="527755" indent="-388055" defTabSz="457200">
               <a:lnSpc>
-                <a:spcPts val="2300"/>
+                <a:spcPts val="1700"/>
               </a:lnSpc>
               <a:spcBef>
                 <a:spcPts val="0"/>
@@ -33806,14 +33781,14 @@
               <a:buSzPct val="100000"/>
               <a:buFont typeface="Menlo"/>
               <a:buChar char="•"/>
-              <a:defRPr b="0" sz="900">
-                <a:solidFill>
-                  <a:srgbClr val="333333"/>
-                </a:solidFill>
-                <a:latin typeface="Menlo"/>
-                <a:ea typeface="Menlo"/>
-                <a:cs typeface="Menlo"/>
-                <a:sym typeface="Menlo"/>
+              <a:defRPr b="0" sz="1100">
+                <a:solidFill>
+                  <a:srgbClr val="5C2699"/>
+                </a:solidFill>
+                <a:latin typeface="Arial"/>
+                <a:ea typeface="Arial"/>
+                <a:cs typeface="Arial"/>
+                <a:sym typeface="Arial"/>
               </a:defRPr>
             </a:pPr>
             <a:r>
@@ -33821,9 +33796,9 @@
             </a:r>
           </a:p>
           <a:p>
-            <a:pPr marL="457200" indent="-317500" defTabSz="457200">
+            <a:pPr marL="527755" indent="-388055" defTabSz="457200">
               <a:lnSpc>
-                <a:spcPts val="2300"/>
+                <a:spcPts val="1700"/>
               </a:lnSpc>
               <a:spcBef>
                 <a:spcPts val="0"/>
@@ -33834,14 +33809,14 @@
               <a:buSzPct val="100000"/>
               <a:buFont typeface="Menlo"/>
               <a:buChar char="•"/>
-              <a:defRPr b="0" sz="900">
-                <a:solidFill>
-                  <a:srgbClr val="3F6E74"/>
-                </a:solidFill>
-                <a:latin typeface="Menlo"/>
-                <a:ea typeface="Menlo"/>
-                <a:cs typeface="Menlo"/>
-                <a:sym typeface="Menlo"/>
+              <a:defRPr b="0" sz="1100">
+                <a:solidFill>
+                  <a:srgbClr val="5C2699"/>
+                </a:solidFill>
+                <a:latin typeface="Arial"/>
+                <a:ea typeface="Arial"/>
+                <a:cs typeface="Arial"/>
+                <a:sym typeface="Arial"/>
               </a:defRPr>
             </a:pPr>
             <a:r>
@@ -33916,9 +33891,9 @@
             </a:endParaRPr>
           </a:p>
           <a:p>
-            <a:pPr marL="457200" indent="-317500" defTabSz="457200">
+            <a:pPr marL="527755" indent="-388055" defTabSz="457200">
               <a:lnSpc>
-                <a:spcPts val="2300"/>
+                <a:spcPts val="1700"/>
               </a:lnSpc>
               <a:spcBef>
                 <a:spcPts val="0"/>
@@ -33929,14 +33904,14 @@
               <a:buSzPct val="100000"/>
               <a:buFont typeface="Menlo"/>
               <a:buChar char="•"/>
-              <a:defRPr b="0" sz="900">
-                <a:solidFill>
-                  <a:srgbClr val="C41A16"/>
-                </a:solidFill>
-                <a:latin typeface="Menlo"/>
-                <a:ea typeface="Menlo"/>
-                <a:cs typeface="Menlo"/>
-                <a:sym typeface="Menlo"/>
+              <a:defRPr b="0" sz="1100">
+                <a:solidFill>
+                  <a:srgbClr val="5C2699"/>
+                </a:solidFill>
+                <a:latin typeface="Arial"/>
+                <a:ea typeface="Arial"/>
+                <a:cs typeface="Arial"/>
+                <a:sym typeface="Arial"/>
               </a:defRPr>
             </a:pPr>
             <a:r>
@@ -34016,9 +33991,9 @@
             </a:endParaRPr>
           </a:p>
           <a:p>
-            <a:pPr marL="457200" indent="-317500" defTabSz="457200">
+            <a:pPr marL="527755" indent="-388055" defTabSz="457200">
               <a:lnSpc>
-                <a:spcPts val="2300"/>
+                <a:spcPts val="1700"/>
               </a:lnSpc>
               <a:spcBef>
                 <a:spcPts val="0"/>
@@ -34029,14 +34004,14 @@
               <a:buSzPct val="100000"/>
               <a:buFont typeface="Menlo"/>
               <a:buChar char="•"/>
-              <a:defRPr b="0" sz="900">
-                <a:solidFill>
-                  <a:srgbClr val="007400"/>
-                </a:solidFill>
-                <a:latin typeface="Menlo"/>
-                <a:ea typeface="Menlo"/>
-                <a:cs typeface="Menlo"/>
-                <a:sym typeface="Menlo"/>
+              <a:defRPr b="0" sz="1100">
+                <a:solidFill>
+                  <a:srgbClr val="5C2699"/>
+                </a:solidFill>
+                <a:latin typeface="Arial"/>
+                <a:ea typeface="Arial"/>
+                <a:cs typeface="Arial"/>
+                <a:sym typeface="Arial"/>
               </a:defRPr>
             </a:pPr>
             <a:r>
@@ -34058,8 +34033,8 @@
         </p:nvSpPr>
         <p:spPr>
           <a:xfrm>
-            <a:off x="588232" y="2995563"/>
-            <a:ext cx="4002061" cy="713741"/>
+            <a:off x="579710" y="3076521"/>
+            <a:ext cx="3536129" cy="941465"/>
           </a:xfrm>
           <a:prstGeom prst="rect">
             <a:avLst/>
@@ -34079,9 +34054,9 @@
           </a:bodyPr>
           <a:lstStyle/>
           <a:p>
-            <a:pPr marL="457200" indent="-317500" defTabSz="457200">
+            <a:pPr marL="527755" indent="-388055" defTabSz="457200">
               <a:lnSpc>
-                <a:spcPts val="2300"/>
+                <a:spcPts val="1700"/>
               </a:lnSpc>
               <a:spcBef>
                 <a:spcPts val="0"/>
@@ -34092,14 +34067,14 @@
               <a:buSzPct val="100000"/>
               <a:buFont typeface="Menlo"/>
               <a:buChar char="•"/>
-              <a:defRPr b="0" sz="900">
-                <a:solidFill>
-                  <a:srgbClr val="AA0D91"/>
-                </a:solidFill>
-                <a:latin typeface="Menlo"/>
-                <a:ea typeface="Menlo"/>
-                <a:cs typeface="Menlo"/>
-                <a:sym typeface="Menlo"/>
+              <a:defRPr b="0" sz="1100">
+                <a:solidFill>
+                  <a:srgbClr val="5C2699"/>
+                </a:solidFill>
+                <a:latin typeface="Arial"/>
+                <a:ea typeface="Arial"/>
+                <a:cs typeface="Arial"/>
+                <a:sym typeface="Arial"/>
               </a:defRPr>
             </a:pPr>
             <a:r>
@@ -34130,11 +34105,6 @@
               <a:t>: </a:t>
             </a:r>
             <a:r>
-              <a:rPr>
-                <a:solidFill>
-                  <a:srgbClr val="5C2699"/>
-                </a:solidFill>
-              </a:rPr>
               <a:t>Int</a:t>
             </a:r>
             <a:r>
@@ -34146,11 +34116,6 @@
               <a:t>) -&gt; </a:t>
             </a:r>
             <a:r>
-              <a:rPr>
-                <a:solidFill>
-                  <a:srgbClr val="5C2699"/>
-                </a:solidFill>
-              </a:rPr>
               <a:t>Int</a:t>
             </a:r>
             <a:r>
@@ -34168,9 +34133,9 @@
             </a:endParaRPr>
           </a:p>
           <a:p>
-            <a:pPr marL="457200" indent="-317500" defTabSz="457200">
+            <a:pPr marL="527755" indent="-388055" defTabSz="457200">
               <a:lnSpc>
-                <a:spcPts val="2300"/>
+                <a:spcPts val="1700"/>
               </a:lnSpc>
               <a:spcBef>
                 <a:spcPts val="0"/>
@@ -34181,14 +34146,14 @@
               <a:buSzPct val="100000"/>
               <a:buFont typeface="Menlo"/>
               <a:buChar char="•"/>
-              <a:defRPr b="0" sz="900">
-                <a:solidFill>
-                  <a:srgbClr val="007400"/>
-                </a:solidFill>
-                <a:latin typeface="Menlo"/>
-                <a:ea typeface="Menlo"/>
-                <a:cs typeface="Menlo"/>
-                <a:sym typeface="Menlo"/>
+              <a:defRPr b="0" sz="1100">
+                <a:solidFill>
+                  <a:srgbClr val="5C2699"/>
+                </a:solidFill>
+                <a:latin typeface="Arial"/>
+                <a:ea typeface="Arial"/>
+                <a:cs typeface="Arial"/>
+                <a:sym typeface="Arial"/>
               </a:defRPr>
             </a:pPr>
             <a:r>
@@ -34209,9 +34174,9 @@
             </a:endParaRPr>
           </a:p>
           <a:p>
-            <a:pPr marL="457200" indent="-317500" defTabSz="457200">
+            <a:pPr marL="527755" indent="-388055" defTabSz="457200">
               <a:lnSpc>
-                <a:spcPts val="2300"/>
+                <a:spcPts val="1700"/>
               </a:lnSpc>
               <a:spcBef>
                 <a:spcPts val="0"/>
@@ -34222,14 +34187,14 @@
               <a:buSzPct val="100000"/>
               <a:buFont typeface="Menlo"/>
               <a:buChar char="•"/>
-              <a:defRPr b="0" sz="900">
-                <a:solidFill>
-                  <a:srgbClr val="333333"/>
-                </a:solidFill>
-                <a:latin typeface="Menlo"/>
-                <a:ea typeface="Menlo"/>
-                <a:cs typeface="Menlo"/>
-                <a:sym typeface="Menlo"/>
+              <a:defRPr b="0" sz="1100">
+                <a:solidFill>
+                  <a:srgbClr val="5C2699"/>
+                </a:solidFill>
+                <a:latin typeface="Arial"/>
+                <a:ea typeface="Arial"/>
+                <a:cs typeface="Arial"/>
+                <a:sym typeface="Arial"/>
               </a:defRPr>
             </a:pPr>
             <a:r>
@@ -34382,7 +34347,7 @@
         <p:spPr>
           <a:xfrm>
             <a:off x="903806" y="1101976"/>
-            <a:ext cx="6234707" cy="579121"/>
+            <a:ext cx="5133852" cy="706002"/>
           </a:xfrm>
           <a:prstGeom prst="rect">
             <a:avLst/>
@@ -34402,9 +34367,9 @@
           </a:bodyPr>
           <a:lstStyle/>
           <a:p>
-            <a:pPr marL="457200" indent="-317500" defTabSz="457200">
+            <a:pPr marL="502557" indent="-362857" defTabSz="457200">
               <a:lnSpc>
-                <a:spcPts val="3900"/>
+                <a:spcPts val="2500"/>
               </a:lnSpc>
               <a:spcBef>
                 <a:spcPts val="0"/>
@@ -34415,14 +34380,14 @@
               <a:buSzPct val="100000"/>
               <a:buFont typeface="Menlo"/>
               <a:buChar char="•"/>
-              <a:defRPr b="0">
-                <a:solidFill>
-                  <a:srgbClr val="3F6E74"/>
-                </a:solidFill>
-                <a:latin typeface="Menlo"/>
-                <a:ea typeface="Menlo"/>
-                <a:cs typeface="Menlo"/>
-                <a:sym typeface="Menlo"/>
+              <a:defRPr b="0" sz="1600">
+                <a:solidFill>
+                  <a:srgbClr val="5C2699"/>
+                </a:solidFill>
+                <a:latin typeface="Arial"/>
+                <a:ea typeface="Arial"/>
+                <a:cs typeface="Arial"/>
+                <a:sym typeface="Arial"/>
               </a:defRPr>
             </a:pPr>
             <a:r>
@@ -34555,9 +34520,9 @@
             </a:endParaRPr>
           </a:p>
           <a:p>
-            <a:pPr marL="457200" indent="-317500" defTabSz="457200">
+            <a:pPr marL="502557" indent="-362857" defTabSz="457200">
               <a:lnSpc>
-                <a:spcPts val="3900"/>
+                <a:spcPts val="2500"/>
               </a:lnSpc>
               <a:spcBef>
                 <a:spcPts val="0"/>
@@ -34568,14 +34533,14 @@
               <a:buSzPct val="100000"/>
               <a:buFont typeface="Menlo"/>
               <a:buChar char="•"/>
-              <a:defRPr b="0">
-                <a:solidFill>
-                  <a:srgbClr val="3F6E74"/>
-                </a:solidFill>
-                <a:latin typeface="Menlo"/>
-                <a:ea typeface="Menlo"/>
-                <a:cs typeface="Menlo"/>
-                <a:sym typeface="Menlo"/>
+              <a:defRPr b="0" sz="1600">
+                <a:solidFill>
+                  <a:srgbClr val="5C2699"/>
+                </a:solidFill>
+                <a:latin typeface="Arial"/>
+                <a:ea typeface="Arial"/>
+                <a:cs typeface="Arial"/>
+                <a:sym typeface="Arial"/>
               </a:defRPr>
             </a:pPr>
             <a:r>
@@ -34759,8 +34724,8 @@
         </p:nvSpPr>
         <p:spPr>
           <a:xfrm>
-            <a:off x="903806" y="1101976"/>
-            <a:ext cx="6135308" cy="3850641"/>
+            <a:off x="891024" y="986931"/>
+            <a:ext cx="4471662" cy="3879942"/>
           </a:xfrm>
           <a:prstGeom prst="rect">
             <a:avLst/>
@@ -34780,9 +34745,9 @@
           </a:bodyPr>
           <a:lstStyle/>
           <a:p>
-            <a:pPr marL="457200" indent="-317500" defTabSz="457200">
+            <a:pPr marL="527755" indent="-388055" defTabSz="457200">
               <a:lnSpc>
-                <a:spcPts val="2300"/>
+                <a:spcPts val="1300"/>
               </a:lnSpc>
               <a:spcBef>
                 <a:spcPts val="0"/>
@@ -34795,12 +34760,12 @@
               <a:buChar char="•"/>
               <a:defRPr b="0" sz="900">
                 <a:solidFill>
-                  <a:srgbClr val="AA0D91"/>
-                </a:solidFill>
-                <a:latin typeface="Menlo"/>
-                <a:ea typeface="Menlo"/>
-                <a:cs typeface="Menlo"/>
-                <a:sym typeface="Menlo"/>
+                  <a:srgbClr val="5C2699"/>
+                </a:solidFill>
+                <a:latin typeface="Arial"/>
+                <a:ea typeface="Arial"/>
+                <a:cs typeface="Arial"/>
+                <a:sym typeface="Arial"/>
               </a:defRPr>
             </a:pPr>
             <a:r>
@@ -34837,9 +34802,9 @@
             </a:endParaRPr>
           </a:p>
           <a:p>
-            <a:pPr marL="457200" indent="-317500" defTabSz="457200">
+            <a:pPr marL="527755" indent="-388055" defTabSz="457200">
               <a:lnSpc>
-                <a:spcPts val="2300"/>
+                <a:spcPts val="1300"/>
               </a:lnSpc>
               <a:spcBef>
                 <a:spcPts val="0"/>
@@ -34852,12 +34817,12 @@
               <a:buChar char="•"/>
               <a:defRPr b="0" sz="900">
                 <a:solidFill>
-                  <a:srgbClr val="333333"/>
-                </a:solidFill>
-                <a:latin typeface="Menlo"/>
-                <a:ea typeface="Menlo"/>
-                <a:cs typeface="Menlo"/>
-                <a:sym typeface="Menlo"/>
+                  <a:srgbClr val="5C2699"/>
+                </a:solidFill>
+                <a:latin typeface="Arial"/>
+                <a:ea typeface="Arial"/>
+                <a:cs typeface="Arial"/>
+                <a:sym typeface="Arial"/>
               </a:defRPr>
             </a:pPr>
             <a:r>
@@ -34886,11 +34851,6 @@
               <a:t>: </a:t>
             </a:r>
             <a:r>
-              <a:rPr>
-                <a:solidFill>
-                  <a:srgbClr val="5C2699"/>
-                </a:solidFill>
-              </a:rPr>
               <a:t>Int</a:t>
             </a:r>
             <a:r>
@@ -34908,18 +34868,13 @@
               <a:t>: </a:t>
             </a:r>
             <a:r>
-              <a:rPr>
-                <a:solidFill>
-                  <a:srgbClr val="5C2699"/>
-                </a:solidFill>
-              </a:rPr>
               <a:t>Int</a:t>
             </a:r>
           </a:p>
           <a:p>
-            <a:pPr marL="457200" indent="-317500" defTabSz="457200">
+            <a:pPr marL="527755" indent="-388055" defTabSz="457200">
               <a:lnSpc>
-                <a:spcPts val="2300"/>
+                <a:spcPts val="1300"/>
               </a:lnSpc>
               <a:spcBef>
                 <a:spcPts val="0"/>
@@ -34932,12 +34887,12 @@
               <a:buChar char="•"/>
               <a:defRPr b="0" sz="900">
                 <a:solidFill>
-                  <a:srgbClr val="333333"/>
-                </a:solidFill>
-                <a:latin typeface="Menlo"/>
-                <a:ea typeface="Menlo"/>
-                <a:cs typeface="Menlo"/>
-                <a:sym typeface="Menlo"/>
+                  <a:srgbClr val="5C2699"/>
+                </a:solidFill>
+                <a:latin typeface="Arial"/>
+                <a:ea typeface="Arial"/>
+                <a:cs typeface="Arial"/>
+                <a:sym typeface="Arial"/>
               </a:defRPr>
             </a:pPr>
             <a:r>
@@ -34966,11 +34921,6 @@
               <a:t>: [</a:t>
             </a:r>
             <a:r>
-              <a:rPr>
-                <a:solidFill>
-                  <a:srgbClr val="5C2699"/>
-                </a:solidFill>
-              </a:rPr>
               <a:t>Double</a:t>
             </a:r>
             <a:r>
@@ -34978,9 +34928,9 @@
             </a:r>
           </a:p>
           <a:p>
-            <a:pPr marL="457200" indent="-317500" defTabSz="457200">
+            <a:pPr marL="527755" indent="-388055" defTabSz="457200">
               <a:lnSpc>
-                <a:spcPts val="2300"/>
+                <a:spcPts val="1300"/>
               </a:lnSpc>
               <a:spcBef>
                 <a:spcPts val="0"/>
@@ -34993,12 +34943,12 @@
               <a:buChar char="•"/>
               <a:defRPr b="0" sz="900">
                 <a:solidFill>
-                  <a:srgbClr val="333333"/>
-                </a:solidFill>
-                <a:latin typeface="Menlo"/>
-                <a:ea typeface="Menlo"/>
-                <a:cs typeface="Menlo"/>
-                <a:sym typeface="Menlo"/>
+                  <a:srgbClr val="5C2699"/>
+                </a:solidFill>
+                <a:latin typeface="Arial"/>
+                <a:ea typeface="Arial"/>
+                <a:cs typeface="Arial"/>
+                <a:sym typeface="Arial"/>
               </a:defRPr>
             </a:pPr>
             <a:r>
@@ -35027,11 +34977,6 @@
               <a:t>: </a:t>
             </a:r>
             <a:r>
-              <a:rPr>
-                <a:solidFill>
-                  <a:srgbClr val="5C2699"/>
-                </a:solidFill>
-              </a:rPr>
               <a:t>Int</a:t>
             </a:r>
             <a:r>
@@ -35049,11 +34994,6 @@
               <a:t>: </a:t>
             </a:r>
             <a:r>
-              <a:rPr>
-                <a:solidFill>
-                  <a:srgbClr val="5C2699"/>
-                </a:solidFill>
-              </a:rPr>
               <a:t>Int</a:t>
             </a:r>
             <a:r>
@@ -35061,9 +35001,9 @@
             </a:r>
           </a:p>
           <a:p>
-            <a:pPr marL="457200" indent="-317500" defTabSz="457200">
+            <a:pPr marL="527755" indent="-388055" defTabSz="457200">
               <a:lnSpc>
-                <a:spcPts val="2300"/>
+                <a:spcPts val="1300"/>
               </a:lnSpc>
               <a:spcBef>
                 <a:spcPts val="0"/>
@@ -35076,12 +35016,12 @@
               <a:buChar char="•"/>
               <a:defRPr b="0" sz="900">
                 <a:solidFill>
-                  <a:srgbClr val="333333"/>
-                </a:solidFill>
-                <a:latin typeface="Menlo"/>
-                <a:ea typeface="Menlo"/>
-                <a:cs typeface="Menlo"/>
-                <a:sym typeface="Menlo"/>
+                  <a:srgbClr val="5C2699"/>
+                </a:solidFill>
+                <a:latin typeface="Arial"/>
+                <a:ea typeface="Arial"/>
+                <a:cs typeface="Arial"/>
+                <a:sym typeface="Arial"/>
               </a:defRPr>
             </a:pPr>
             <a:r>
@@ -35119,9 +35059,9 @@
             </a:r>
           </a:p>
           <a:p>
-            <a:pPr marL="457200" indent="-317500" defTabSz="457200">
+            <a:pPr marL="527755" indent="-388055" defTabSz="457200">
               <a:lnSpc>
-                <a:spcPts val="2300"/>
+                <a:spcPts val="1300"/>
               </a:lnSpc>
               <a:spcBef>
                 <a:spcPts val="0"/>
@@ -35134,12 +35074,12 @@
               <a:buChar char="•"/>
               <a:defRPr b="0" sz="900">
                 <a:solidFill>
-                  <a:srgbClr val="333333"/>
-                </a:solidFill>
-                <a:latin typeface="Menlo"/>
-                <a:ea typeface="Menlo"/>
-                <a:cs typeface="Menlo"/>
-                <a:sym typeface="Menlo"/>
+                  <a:srgbClr val="5C2699"/>
+                </a:solidFill>
+                <a:latin typeface="Arial"/>
+                <a:ea typeface="Arial"/>
+                <a:cs typeface="Arial"/>
+                <a:sym typeface="Arial"/>
               </a:defRPr>
             </a:pPr>
             <a:r>
@@ -35177,9 +35117,9 @@
             </a:r>
           </a:p>
           <a:p>
-            <a:pPr marL="457200" indent="-317500" defTabSz="457200">
+            <a:pPr marL="527755" indent="-388055" defTabSz="457200">
               <a:lnSpc>
-                <a:spcPts val="2300"/>
+                <a:spcPts val="1300"/>
               </a:lnSpc>
               <a:spcBef>
                 <a:spcPts val="0"/>
@@ -35192,12 +35132,12 @@
               <a:buChar char="•"/>
               <a:defRPr b="0" sz="900">
                 <a:solidFill>
-                  <a:srgbClr val="333333"/>
-                </a:solidFill>
-                <a:latin typeface="Menlo"/>
-                <a:ea typeface="Menlo"/>
-                <a:cs typeface="Menlo"/>
-                <a:sym typeface="Menlo"/>
+                  <a:srgbClr val="5C2699"/>
+                </a:solidFill>
+                <a:latin typeface="Arial"/>
+                <a:ea typeface="Arial"/>
+                <a:cs typeface="Arial"/>
+                <a:sym typeface="Arial"/>
               </a:defRPr>
             </a:pPr>
             <a:r>
@@ -35282,9 +35222,9 @@
             </a:r>
           </a:p>
           <a:p>
-            <a:pPr marL="457200" indent="-317500" defTabSz="457200">
+            <a:pPr marL="527755" indent="-388055" defTabSz="457200">
               <a:lnSpc>
-                <a:spcPts val="2300"/>
+                <a:spcPts val="1300"/>
               </a:lnSpc>
               <a:spcBef>
                 <a:spcPts val="0"/>
@@ -35297,12 +35237,12 @@
               <a:buChar char="•"/>
               <a:defRPr b="0" sz="900">
                 <a:solidFill>
-                  <a:srgbClr val="333333"/>
-                </a:solidFill>
-                <a:latin typeface="Menlo"/>
-                <a:ea typeface="Menlo"/>
-                <a:cs typeface="Menlo"/>
-                <a:sym typeface="Menlo"/>
+                  <a:srgbClr val="5C2699"/>
+                </a:solidFill>
+                <a:latin typeface="Arial"/>
+                <a:ea typeface="Arial"/>
+                <a:cs typeface="Arial"/>
+                <a:sym typeface="Arial"/>
               </a:defRPr>
             </a:pPr>
             <a:r>
@@ -35310,9 +35250,9 @@
             </a:r>
           </a:p>
           <a:p>
-            <a:pPr marL="457200" indent="-317500" defTabSz="457200">
+            <a:pPr marL="527755" indent="-388055" defTabSz="457200">
               <a:lnSpc>
-                <a:spcPts val="2300"/>
+                <a:spcPts val="1300"/>
               </a:lnSpc>
               <a:spcBef>
                 <a:spcPts val="0"/>
@@ -35325,12 +35265,12 @@
               <a:buChar char="•"/>
               <a:defRPr b="0" sz="900">
                 <a:solidFill>
-                  <a:srgbClr val="3F6E74"/>
-                </a:solidFill>
-                <a:latin typeface="Menlo"/>
-                <a:ea typeface="Menlo"/>
-                <a:cs typeface="Menlo"/>
-                <a:sym typeface="Menlo"/>
+                  <a:srgbClr val="5C2699"/>
+                </a:solidFill>
+                <a:latin typeface="Arial"/>
+                <a:ea typeface="Arial"/>
+                <a:cs typeface="Arial"/>
+                <a:sym typeface="Arial"/>
               </a:defRPr>
             </a:pPr>
             <a:r>
@@ -35380,11 +35320,6 @@
               <a:t>: </a:t>
             </a:r>
             <a:r>
-              <a:rPr>
-                <a:solidFill>
-                  <a:srgbClr val="5C2699"/>
-                </a:solidFill>
-              </a:rPr>
               <a:t>Int</a:t>
             </a:r>
             <a:r>
@@ -35407,11 +35342,6 @@
               <a:t>: </a:t>
             </a:r>
             <a:r>
-              <a:rPr>
-                <a:solidFill>
-                  <a:srgbClr val="5C2699"/>
-                </a:solidFill>
-              </a:rPr>
               <a:t>Int</a:t>
             </a:r>
             <a:r>
@@ -35423,11 +35353,6 @@
               <a:t>) -&gt; </a:t>
             </a:r>
             <a:r>
-              <a:rPr>
-                <a:solidFill>
-                  <a:srgbClr val="5C2699"/>
-                </a:solidFill>
-              </a:rPr>
               <a:t>Bool</a:t>
             </a:r>
             <a:r>
@@ -35445,9 +35370,9 @@
             </a:endParaRPr>
           </a:p>
           <a:p>
-            <a:pPr marL="457200" indent="-317500" defTabSz="457200">
+            <a:pPr marL="527755" indent="-388055" defTabSz="457200">
               <a:lnSpc>
-                <a:spcPts val="2300"/>
+                <a:spcPts val="1300"/>
               </a:lnSpc>
               <a:spcBef>
                 <a:spcPts val="0"/>
@@ -35460,12 +35385,12 @@
               <a:buChar char="•"/>
               <a:defRPr b="0" sz="900">
                 <a:solidFill>
-                  <a:srgbClr val="333333"/>
-                </a:solidFill>
-                <a:latin typeface="Menlo"/>
-                <a:ea typeface="Menlo"/>
-                <a:cs typeface="Menlo"/>
-                <a:sym typeface="Menlo"/>
+                  <a:srgbClr val="5C2699"/>
+                </a:solidFill>
+                <a:latin typeface="Arial"/>
+                <a:ea typeface="Arial"/>
+                <a:cs typeface="Arial"/>
+                <a:sym typeface="Arial"/>
               </a:defRPr>
             </a:pPr>
             <a:r>
@@ -35569,9 +35494,9 @@
             </a:r>
           </a:p>
           <a:p>
-            <a:pPr marL="457200" indent="-317500" defTabSz="457200">
+            <a:pPr marL="527755" indent="-388055" defTabSz="457200">
               <a:lnSpc>
-                <a:spcPts val="2300"/>
+                <a:spcPts val="1300"/>
               </a:lnSpc>
               <a:spcBef>
                 <a:spcPts val="0"/>
@@ -35584,12 +35509,12 @@
               <a:buChar char="•"/>
               <a:defRPr b="0" sz="900">
                 <a:solidFill>
-                  <a:srgbClr val="333333"/>
-                </a:solidFill>
-                <a:latin typeface="Menlo"/>
-                <a:ea typeface="Menlo"/>
-                <a:cs typeface="Menlo"/>
-                <a:sym typeface="Menlo"/>
+                  <a:srgbClr val="5C2699"/>
+                </a:solidFill>
+                <a:latin typeface="Arial"/>
+                <a:ea typeface="Arial"/>
+                <a:cs typeface="Arial"/>
+                <a:sym typeface="Arial"/>
               </a:defRPr>
             </a:pPr>
             <a:r>
@@ -35597,9 +35522,9 @@
             </a:r>
           </a:p>
           <a:p>
-            <a:pPr marL="457200" indent="-317500" defTabSz="457200">
+            <a:pPr marL="527755" indent="-388055" defTabSz="457200">
               <a:lnSpc>
-                <a:spcPts val="2300"/>
+                <a:spcPts val="1300"/>
               </a:lnSpc>
               <a:spcBef>
                 <a:spcPts val="0"/>
@@ -35612,12 +35537,12 @@
               <a:buChar char="•"/>
               <a:defRPr b="0" sz="900">
                 <a:solidFill>
-                  <a:srgbClr val="AA0D91"/>
-                </a:solidFill>
-                <a:latin typeface="Menlo"/>
-                <a:ea typeface="Menlo"/>
-                <a:cs typeface="Menlo"/>
-                <a:sym typeface="Menlo"/>
+                  <a:srgbClr val="5C2699"/>
+                </a:solidFill>
+                <a:latin typeface="Arial"/>
+                <a:ea typeface="Arial"/>
+                <a:cs typeface="Arial"/>
+                <a:sym typeface="Arial"/>
               </a:defRPr>
             </a:pPr>
             <a:r>
@@ -35656,11 +35581,6 @@
               <a:t>: </a:t>
             </a:r>
             <a:r>
-              <a:rPr>
-                <a:solidFill>
-                  <a:srgbClr val="5C2699"/>
-                </a:solidFill>
-              </a:rPr>
               <a:t>Int</a:t>
             </a:r>
             <a:r>
@@ -35688,11 +35608,6 @@
               <a:t>: </a:t>
             </a:r>
             <a:r>
-              <a:rPr>
-                <a:solidFill>
-                  <a:srgbClr val="5C2699"/>
-                </a:solidFill>
-              </a:rPr>
               <a:t>Int</a:t>
             </a:r>
             <a:r>
@@ -35704,11 +35619,6 @@
               <a:t>) -&gt; </a:t>
             </a:r>
             <a:r>
-              <a:rPr>
-                <a:solidFill>
-                  <a:srgbClr val="5C2699"/>
-                </a:solidFill>
-              </a:rPr>
               <a:t>Double</a:t>
             </a:r>
             <a:r>
@@ -35726,9 +35636,9 @@
             </a:endParaRPr>
           </a:p>
           <a:p>
-            <a:pPr marL="457200" indent="-317500" defTabSz="457200">
+            <a:pPr marL="527755" indent="-388055" defTabSz="457200">
               <a:lnSpc>
-                <a:spcPts val="2300"/>
+                <a:spcPts val="1300"/>
               </a:lnSpc>
               <a:spcBef>
                 <a:spcPts val="0"/>
@@ -35741,12 +35651,12 @@
               <a:buChar char="•"/>
               <a:defRPr b="0" sz="900">
                 <a:solidFill>
-                  <a:srgbClr val="333333"/>
-                </a:solidFill>
-                <a:latin typeface="Menlo"/>
-                <a:ea typeface="Menlo"/>
-                <a:cs typeface="Menlo"/>
-                <a:sym typeface="Menlo"/>
+                  <a:srgbClr val="5C2699"/>
+                </a:solidFill>
+                <a:latin typeface="Arial"/>
+                <a:ea typeface="Arial"/>
+                <a:cs typeface="Arial"/>
+                <a:sym typeface="Arial"/>
               </a:defRPr>
             </a:pPr>
             <a:r>
@@ -35765,9 +35675,9 @@
             </a:r>
           </a:p>
           <a:p>
-            <a:pPr marL="457200" indent="-317500" defTabSz="457200">
+            <a:pPr marL="527755" indent="-388055" defTabSz="457200">
               <a:lnSpc>
-                <a:spcPts val="2300"/>
+                <a:spcPts val="1300"/>
               </a:lnSpc>
               <a:spcBef>
                 <a:spcPts val="0"/>
@@ -35780,12 +35690,12 @@
               <a:buChar char="•"/>
               <a:defRPr b="0" sz="900">
                 <a:solidFill>
-                  <a:srgbClr val="C41A16"/>
-                </a:solidFill>
-                <a:latin typeface="Menlo"/>
-                <a:ea typeface="Menlo"/>
-                <a:cs typeface="Menlo"/>
-                <a:sym typeface="Menlo"/>
+                  <a:srgbClr val="5C2699"/>
+                </a:solidFill>
+                <a:latin typeface="Arial"/>
+                <a:ea typeface="Arial"/>
+                <a:cs typeface="Arial"/>
+                <a:sym typeface="Arial"/>
               </a:defRPr>
             </a:pPr>
             <a:r>
@@ -35910,9 +35820,9 @@
             </a:endParaRPr>
           </a:p>
           <a:p>
-            <a:pPr marL="457200" indent="-317500" defTabSz="457200">
+            <a:pPr marL="527755" indent="-388055" defTabSz="457200">
               <a:lnSpc>
-                <a:spcPts val="2300"/>
+                <a:spcPts val="1300"/>
               </a:lnSpc>
               <a:spcBef>
                 <a:spcPts val="0"/>
@@ -35925,12 +35835,12 @@
               <a:buChar char="•"/>
               <a:defRPr b="0" sz="900">
                 <a:solidFill>
-                  <a:srgbClr val="333333"/>
-                </a:solidFill>
-                <a:latin typeface="Menlo"/>
-                <a:ea typeface="Menlo"/>
-                <a:cs typeface="Menlo"/>
-                <a:sym typeface="Menlo"/>
+                  <a:srgbClr val="5C2699"/>
+                </a:solidFill>
+                <a:latin typeface="Arial"/>
+                <a:ea typeface="Arial"/>
+                <a:cs typeface="Arial"/>
+                <a:sym typeface="Arial"/>
               </a:defRPr>
             </a:pPr>
             <a:r>
@@ -35993,9 +35903,9 @@
             </a:r>
           </a:p>
           <a:p>
-            <a:pPr marL="457200" indent="-317500" defTabSz="457200">
+            <a:pPr marL="527755" indent="-388055" defTabSz="457200">
               <a:lnSpc>
-                <a:spcPts val="2300"/>
+                <a:spcPts val="1300"/>
               </a:lnSpc>
               <a:spcBef>
                 <a:spcPts val="0"/>
@@ -36008,12 +35918,12 @@
               <a:buChar char="•"/>
               <a:defRPr b="0" sz="900">
                 <a:solidFill>
-                  <a:srgbClr val="333333"/>
-                </a:solidFill>
-                <a:latin typeface="Menlo"/>
-                <a:ea typeface="Menlo"/>
-                <a:cs typeface="Menlo"/>
-                <a:sym typeface="Menlo"/>
+                  <a:srgbClr val="5C2699"/>
+                </a:solidFill>
+                <a:latin typeface="Arial"/>
+                <a:ea typeface="Arial"/>
+                <a:cs typeface="Arial"/>
+                <a:sym typeface="Arial"/>
               </a:defRPr>
             </a:pPr>
             <a:r>
@@ -36021,9 +35931,9 @@
             </a:r>
           </a:p>
           <a:p>
-            <a:pPr marL="457200" indent="-317500" defTabSz="457200">
+            <a:pPr marL="527755" indent="-388055" defTabSz="457200">
               <a:lnSpc>
-                <a:spcPts val="2300"/>
+                <a:spcPts val="1300"/>
               </a:lnSpc>
               <a:spcBef>
                 <a:spcPts val="0"/>
@@ -36036,12 +35946,12 @@
               <a:buChar char="•"/>
               <a:defRPr b="0" sz="900">
                 <a:solidFill>
-                  <a:srgbClr val="333333"/>
-                </a:solidFill>
-                <a:latin typeface="Menlo"/>
-                <a:ea typeface="Menlo"/>
-                <a:cs typeface="Menlo"/>
-                <a:sym typeface="Menlo"/>
+                  <a:srgbClr val="5C2699"/>
+                </a:solidFill>
+                <a:latin typeface="Arial"/>
+                <a:ea typeface="Arial"/>
+                <a:cs typeface="Arial"/>
+                <a:sym typeface="Arial"/>
               </a:defRPr>
             </a:pPr>
             <a:r>
@@ -36060,9 +35970,9 @@
             </a:r>
           </a:p>
           <a:p>
-            <a:pPr marL="457200" indent="-317500" defTabSz="457200">
+            <a:pPr marL="527755" indent="-388055" defTabSz="457200">
               <a:lnSpc>
-                <a:spcPts val="2300"/>
+                <a:spcPts val="1300"/>
               </a:lnSpc>
               <a:spcBef>
                 <a:spcPts val="0"/>
@@ -36075,12 +35985,12 @@
               <a:buChar char="•"/>
               <a:defRPr b="0" sz="900">
                 <a:solidFill>
-                  <a:srgbClr val="C41A16"/>
-                </a:solidFill>
-                <a:latin typeface="Menlo"/>
-                <a:ea typeface="Menlo"/>
-                <a:cs typeface="Menlo"/>
-                <a:sym typeface="Menlo"/>
+                  <a:srgbClr val="5C2699"/>
+                </a:solidFill>
+                <a:latin typeface="Arial"/>
+                <a:ea typeface="Arial"/>
+                <a:cs typeface="Arial"/>
+                <a:sym typeface="Arial"/>
               </a:defRPr>
             </a:pPr>
             <a:r>
@@ -36205,9 +36115,9 @@
             </a:endParaRPr>
           </a:p>
           <a:p>
-            <a:pPr marL="457200" indent="-317500" defTabSz="457200">
+            <a:pPr marL="527755" indent="-388055" defTabSz="457200">
               <a:lnSpc>
-                <a:spcPts val="2300"/>
+                <a:spcPts val="1300"/>
               </a:lnSpc>
               <a:spcBef>
                 <a:spcPts val="0"/>
@@ -36220,12 +36130,12 @@
               <a:buChar char="•"/>
               <a:defRPr b="0" sz="900">
                 <a:solidFill>
-                  <a:srgbClr val="333333"/>
-                </a:solidFill>
-                <a:latin typeface="Menlo"/>
-                <a:ea typeface="Menlo"/>
-                <a:cs typeface="Menlo"/>
-                <a:sym typeface="Menlo"/>
+                  <a:srgbClr val="5C2699"/>
+                </a:solidFill>
+                <a:latin typeface="Arial"/>
+                <a:ea typeface="Arial"/>
+                <a:cs typeface="Arial"/>
+                <a:sym typeface="Arial"/>
               </a:defRPr>
             </a:pPr>
             <a:r>
@@ -36285,9 +36195,9 @@
             </a:r>
           </a:p>
           <a:p>
-            <a:pPr marL="457200" indent="-317500" defTabSz="457200">
+            <a:pPr marL="527755" indent="-388055" defTabSz="457200">
               <a:lnSpc>
-                <a:spcPts val="2300"/>
+                <a:spcPts val="1300"/>
               </a:lnSpc>
               <a:spcBef>
                 <a:spcPts val="0"/>
@@ -36300,12 +36210,12 @@
               <a:buChar char="•"/>
               <a:defRPr b="0" sz="900">
                 <a:solidFill>
-                  <a:srgbClr val="333333"/>
-                </a:solidFill>
-                <a:latin typeface="Menlo"/>
-                <a:ea typeface="Menlo"/>
-                <a:cs typeface="Menlo"/>
-                <a:sym typeface="Menlo"/>
+                  <a:srgbClr val="5C2699"/>
+                </a:solidFill>
+                <a:latin typeface="Arial"/>
+                <a:ea typeface="Arial"/>
+                <a:cs typeface="Arial"/>
+                <a:sym typeface="Arial"/>
               </a:defRPr>
             </a:pPr>
             <a:r>
@@ -36313,9 +36223,9 @@
             </a:r>
           </a:p>
           <a:p>
-            <a:pPr marL="457200" indent="-317500" defTabSz="457200">
+            <a:pPr marL="527755" indent="-388055" defTabSz="457200">
               <a:lnSpc>
-                <a:spcPts val="2300"/>
+                <a:spcPts val="1300"/>
               </a:lnSpc>
               <a:spcBef>
                 <a:spcPts val="0"/>
@@ -36328,12 +36238,12 @@
               <a:buChar char="•"/>
               <a:defRPr b="0" sz="900">
                 <a:solidFill>
-                  <a:srgbClr val="333333"/>
-                </a:solidFill>
-                <a:latin typeface="Menlo"/>
-                <a:ea typeface="Menlo"/>
-                <a:cs typeface="Menlo"/>
-                <a:sym typeface="Menlo"/>
+                  <a:srgbClr val="5C2699"/>
+                </a:solidFill>
+                <a:latin typeface="Arial"/>
+                <a:ea typeface="Arial"/>
+                <a:cs typeface="Arial"/>
+                <a:sym typeface="Arial"/>
               </a:defRPr>
             </a:pPr>
             <a:r>
@@ -36341,9 +36251,9 @@
             </a:r>
           </a:p>
           <a:p>
-            <a:pPr marL="457200" indent="-317500" defTabSz="457200">
+            <a:pPr marL="527755" indent="-388055" defTabSz="457200">
               <a:lnSpc>
-                <a:spcPts val="2300"/>
+                <a:spcPts val="1300"/>
               </a:lnSpc>
               <a:spcBef>
                 <a:spcPts val="0"/>
@@ -36356,12 +36266,12 @@
               <a:buChar char="•"/>
               <a:defRPr b="0" sz="900">
                 <a:solidFill>
-                  <a:srgbClr val="333333"/>
-                </a:solidFill>
-                <a:latin typeface="Menlo"/>
-                <a:ea typeface="Menlo"/>
-                <a:cs typeface="Menlo"/>
-                <a:sym typeface="Menlo"/>
+                  <a:srgbClr val="5C2699"/>
+                </a:solidFill>
+                <a:latin typeface="Arial"/>
+                <a:ea typeface="Arial"/>
+                <a:cs typeface="Arial"/>
+                <a:sym typeface="Arial"/>
               </a:defRPr>
             </a:pPr>
             <a:r>
@@ -36514,7 +36424,7 @@
         <p:spPr>
           <a:xfrm>
             <a:off x="903806" y="1101976"/>
-            <a:ext cx="2595189" cy="579121"/>
+            <a:ext cx="2182193" cy="706002"/>
           </a:xfrm>
           <a:prstGeom prst="rect">
             <a:avLst/>
@@ -36534,9 +36444,9 @@
           </a:bodyPr>
           <a:lstStyle/>
           <a:p>
-            <a:pPr marL="457200" indent="-317500" defTabSz="457200">
+            <a:pPr marL="502557" indent="-362857" defTabSz="457200">
               <a:lnSpc>
-                <a:spcPts val="3900"/>
+                <a:spcPts val="2500"/>
               </a:lnSpc>
               <a:spcBef>
                 <a:spcPts val="0"/>
@@ -36547,14 +36457,14 @@
               <a:buSzPct val="100000"/>
               <a:buFont typeface="Menlo"/>
               <a:buChar char="•"/>
-              <a:defRPr b="0">
-                <a:solidFill>
-                  <a:srgbClr val="3F6E74"/>
-                </a:solidFill>
-                <a:latin typeface="Menlo"/>
-                <a:ea typeface="Menlo"/>
-                <a:cs typeface="Menlo"/>
-                <a:sym typeface="Menlo"/>
+              <a:defRPr b="0" sz="1600">
+                <a:solidFill>
+                  <a:srgbClr val="5C2699"/>
+                </a:solidFill>
+                <a:latin typeface="Arial"/>
+                <a:ea typeface="Arial"/>
+                <a:cs typeface="Arial"/>
+                <a:sym typeface="Arial"/>
               </a:defRPr>
             </a:pPr>
             <a:r>
@@ -36615,9 +36525,9 @@
             </a:endParaRPr>
           </a:p>
           <a:p>
-            <a:pPr marL="457200" indent="-317500" defTabSz="457200">
+            <a:pPr marL="502557" indent="-362857" defTabSz="457200">
               <a:lnSpc>
-                <a:spcPts val="3900"/>
+                <a:spcPts val="2500"/>
               </a:lnSpc>
               <a:spcBef>
                 <a:spcPts val="0"/>
@@ -36628,14 +36538,14 @@
               <a:buSzPct val="100000"/>
               <a:buFont typeface="Menlo"/>
               <a:buChar char="•"/>
-              <a:defRPr b="0">
-                <a:solidFill>
-                  <a:srgbClr val="3F6E74"/>
-                </a:solidFill>
-                <a:latin typeface="Menlo"/>
-                <a:ea typeface="Menlo"/>
-                <a:cs typeface="Menlo"/>
-                <a:sym typeface="Menlo"/>
+              <a:defRPr b="0" sz="1600">
+                <a:solidFill>
+                  <a:srgbClr val="5C2699"/>
+                </a:solidFill>
+                <a:latin typeface="Arial"/>
+                <a:ea typeface="Arial"/>
+                <a:cs typeface="Arial"/>
+                <a:sym typeface="Arial"/>
               </a:defRPr>
             </a:pPr>
             <a:r>
@@ -36701,7 +36611,7 @@
         <p:spPr>
           <a:xfrm>
             <a:off x="903806" y="1937123"/>
-            <a:ext cx="3558591" cy="294641"/>
+            <a:ext cx="3115842" cy="388502"/>
           </a:xfrm>
           <a:prstGeom prst="rect">
             <a:avLst/>
@@ -36721,9 +36631,9 @@
           </a:bodyPr>
           <a:lstStyle/>
           <a:p>
-            <a:pPr marL="457200" indent="-317500" defTabSz="457200">
+            <a:pPr marL="502557" indent="-362857" defTabSz="457200">
               <a:lnSpc>
-                <a:spcPts val="3900"/>
+                <a:spcPts val="2500"/>
               </a:lnSpc>
               <a:spcBef>
                 <a:spcPts val="0"/>
@@ -36734,14 +36644,14 @@
               <a:buSzPct val="100000"/>
               <a:buFont typeface="Menlo"/>
               <a:buChar char="•"/>
-              <a:defRPr b="0">
-                <a:solidFill>
-                  <a:srgbClr val="3F6E74"/>
-                </a:solidFill>
-                <a:latin typeface="Menlo"/>
-                <a:ea typeface="Menlo"/>
-                <a:cs typeface="Menlo"/>
-                <a:sym typeface="Menlo"/>
+              <a:defRPr b="0" sz="1600">
+                <a:solidFill>
+                  <a:srgbClr val="5C2699"/>
+                </a:solidFill>
+                <a:latin typeface="Arial"/>
+                <a:ea typeface="Arial"/>
+                <a:cs typeface="Arial"/>
+                <a:sym typeface="Arial"/>
               </a:defRPr>
             </a:pPr>
             <a:r>
